--- a/ppt 16-9/1071.主永不离你.pptx
+++ b/ppt 16-9/1071.主永不离你.pptx
@@ -129,7 +129,7 @@
           <p:cNvPr id="2" name="标题 1">
             <a:extLst>
               <a:ext uri="{FF2B5EF4-FFF2-40B4-BE49-F238E27FC236}">
-                <a16:creationId xmlns:a16="http://schemas.microsoft.com/office/drawing/2014/main" id="{9EF9239B-15A0-F150-A017-03CC177F345E}"/>
+                <a16:creationId xmlns:a16="http://schemas.microsoft.com/office/drawing/2014/main" id="{A39D7907-482A-8932-E355-44EEE4B2A553}"/>
               </a:ext>
             </a:extLst>
           </p:cNvPr>
@@ -166,7 +166,7 @@
           <p:cNvPr id="3" name="副标题 2">
             <a:extLst>
               <a:ext uri="{FF2B5EF4-FFF2-40B4-BE49-F238E27FC236}">
-                <a16:creationId xmlns:a16="http://schemas.microsoft.com/office/drawing/2014/main" id="{85DF1B61-99BE-9647-35AE-1064326C7A4D}"/>
+                <a16:creationId xmlns:a16="http://schemas.microsoft.com/office/drawing/2014/main" id="{1661D372-E63D-E086-7826-47518931E662}"/>
               </a:ext>
             </a:extLst>
           </p:cNvPr>
@@ -236,7 +236,7 @@
           <p:cNvPr id="4" name="日期占位符 3">
             <a:extLst>
               <a:ext uri="{FF2B5EF4-FFF2-40B4-BE49-F238E27FC236}">
-                <a16:creationId xmlns:a16="http://schemas.microsoft.com/office/drawing/2014/main" id="{B2864ED6-8F42-C4F9-83DC-73A6DBE3EE46}"/>
+                <a16:creationId xmlns:a16="http://schemas.microsoft.com/office/drawing/2014/main" id="{D9904C9F-B955-CF4E-91D5-3821F2734B41}"/>
               </a:ext>
             </a:extLst>
           </p:cNvPr>
@@ -252,7 +252,7 @@
           <a:bodyPr/>
           <a:lstStyle/>
           <a:p>
-            <a:fld id="{A470C656-1C77-432E-AF59-68EC4B321D68}" type="datetimeFigureOut">
+            <a:fld id="{CFCB8A49-0F63-4A53-BE5F-3D13ABA129DC}" type="datetimeFigureOut">
               <a:rPr lang="zh-CN" altLang="en-US" smtClean="0"/>
               <a:t>2024/3/10</a:t>
             </a:fld>
@@ -265,7 +265,7 @@
           <p:cNvPr id="5" name="页脚占位符 4">
             <a:extLst>
               <a:ext uri="{FF2B5EF4-FFF2-40B4-BE49-F238E27FC236}">
-                <a16:creationId xmlns:a16="http://schemas.microsoft.com/office/drawing/2014/main" id="{9754574F-ED0E-58AE-0F86-9BC2D30A38C3}"/>
+                <a16:creationId xmlns:a16="http://schemas.microsoft.com/office/drawing/2014/main" id="{CA926798-ADDF-7032-9CFB-2CBEB9BEF163}"/>
               </a:ext>
             </a:extLst>
           </p:cNvPr>
@@ -290,7 +290,7 @@
           <p:cNvPr id="6" name="灯片编号占位符 5">
             <a:extLst>
               <a:ext uri="{FF2B5EF4-FFF2-40B4-BE49-F238E27FC236}">
-                <a16:creationId xmlns:a16="http://schemas.microsoft.com/office/drawing/2014/main" id="{2A74D0EC-158B-012E-6926-96D83CB383FD}"/>
+                <a16:creationId xmlns:a16="http://schemas.microsoft.com/office/drawing/2014/main" id="{D748B61C-553D-0381-4B57-60D5A3B281FB}"/>
               </a:ext>
             </a:extLst>
           </p:cNvPr>
@@ -306,7 +306,7 @@
           <a:bodyPr/>
           <a:lstStyle/>
           <a:p>
-            <a:fld id="{4D6A01E5-E857-4805-943C-64D550C8F25B}" type="slidenum">
+            <a:fld id="{63C75AD5-A46C-4E3C-9047-2AA4FDFE8D10}" type="slidenum">
               <a:rPr lang="zh-CN" altLang="en-US" smtClean="0"/>
               <a:t>‹#›</a:t>
             </a:fld>
@@ -317,7 +317,7 @@
     </p:spTree>
     <p:extLst>
       <p:ext uri="{BB962C8B-B14F-4D97-AF65-F5344CB8AC3E}">
-        <p14:creationId xmlns:p14="http://schemas.microsoft.com/office/powerpoint/2010/main" val="580077167"/>
+        <p14:creationId xmlns:p14="http://schemas.microsoft.com/office/powerpoint/2010/main" val="2919809793"/>
       </p:ext>
     </p:extLst>
   </p:cSld>
@@ -349,7 +349,7 @@
           <p:cNvPr id="2" name="标题 1">
             <a:extLst>
               <a:ext uri="{FF2B5EF4-FFF2-40B4-BE49-F238E27FC236}">
-                <a16:creationId xmlns:a16="http://schemas.microsoft.com/office/drawing/2014/main" id="{D5B63071-72CE-9D04-9297-A86A650F70CF}"/>
+                <a16:creationId xmlns:a16="http://schemas.microsoft.com/office/drawing/2014/main" id="{90FFE735-003C-51B1-FA29-7D1DF7BFC2A6}"/>
               </a:ext>
             </a:extLst>
           </p:cNvPr>
@@ -377,7 +377,7 @@
           <p:cNvPr id="3" name="竖排文字占位符 2">
             <a:extLst>
               <a:ext uri="{FF2B5EF4-FFF2-40B4-BE49-F238E27FC236}">
-                <a16:creationId xmlns:a16="http://schemas.microsoft.com/office/drawing/2014/main" id="{191D7754-4330-DCBD-E407-3F18793BE154}"/>
+                <a16:creationId xmlns:a16="http://schemas.microsoft.com/office/drawing/2014/main" id="{7D7944AC-317B-ADC2-4DA9-83E80C198C99}"/>
               </a:ext>
             </a:extLst>
           </p:cNvPr>
@@ -434,7 +434,7 @@
           <p:cNvPr id="4" name="日期占位符 3">
             <a:extLst>
               <a:ext uri="{FF2B5EF4-FFF2-40B4-BE49-F238E27FC236}">
-                <a16:creationId xmlns:a16="http://schemas.microsoft.com/office/drawing/2014/main" id="{5A8ADBE8-86E1-DC33-0E15-0F62C76C944F}"/>
+                <a16:creationId xmlns:a16="http://schemas.microsoft.com/office/drawing/2014/main" id="{CEBA7D81-6E99-96DC-4887-936CB01BDA40}"/>
               </a:ext>
             </a:extLst>
           </p:cNvPr>
@@ -450,7 +450,7 @@
           <a:bodyPr/>
           <a:lstStyle/>
           <a:p>
-            <a:fld id="{A470C656-1C77-432E-AF59-68EC4B321D68}" type="datetimeFigureOut">
+            <a:fld id="{CFCB8A49-0F63-4A53-BE5F-3D13ABA129DC}" type="datetimeFigureOut">
               <a:rPr lang="zh-CN" altLang="en-US" smtClean="0"/>
               <a:t>2024/3/10</a:t>
             </a:fld>
@@ -463,7 +463,7 @@
           <p:cNvPr id="5" name="页脚占位符 4">
             <a:extLst>
               <a:ext uri="{FF2B5EF4-FFF2-40B4-BE49-F238E27FC236}">
-                <a16:creationId xmlns:a16="http://schemas.microsoft.com/office/drawing/2014/main" id="{8D0F5C19-3276-BFB5-6293-DDEBA274826D}"/>
+                <a16:creationId xmlns:a16="http://schemas.microsoft.com/office/drawing/2014/main" id="{A3B0E07B-CFDD-405B-8CA0-5E5C17649626}"/>
               </a:ext>
             </a:extLst>
           </p:cNvPr>
@@ -488,7 +488,7 @@
           <p:cNvPr id="6" name="灯片编号占位符 5">
             <a:extLst>
               <a:ext uri="{FF2B5EF4-FFF2-40B4-BE49-F238E27FC236}">
-                <a16:creationId xmlns:a16="http://schemas.microsoft.com/office/drawing/2014/main" id="{A5487CF7-D7D9-F185-A557-16FBD8A3E20F}"/>
+                <a16:creationId xmlns:a16="http://schemas.microsoft.com/office/drawing/2014/main" id="{A2D9E418-F020-C798-52D4-9A47762A4E88}"/>
               </a:ext>
             </a:extLst>
           </p:cNvPr>
@@ -504,7 +504,7 @@
           <a:bodyPr/>
           <a:lstStyle/>
           <a:p>
-            <a:fld id="{4D6A01E5-E857-4805-943C-64D550C8F25B}" type="slidenum">
+            <a:fld id="{63C75AD5-A46C-4E3C-9047-2AA4FDFE8D10}" type="slidenum">
               <a:rPr lang="zh-CN" altLang="en-US" smtClean="0"/>
               <a:t>‹#›</a:t>
             </a:fld>
@@ -515,7 +515,7 @@
     </p:spTree>
     <p:extLst>
       <p:ext uri="{BB962C8B-B14F-4D97-AF65-F5344CB8AC3E}">
-        <p14:creationId xmlns:p14="http://schemas.microsoft.com/office/powerpoint/2010/main" val="66743151"/>
+        <p14:creationId xmlns:p14="http://schemas.microsoft.com/office/powerpoint/2010/main" val="3136153116"/>
       </p:ext>
     </p:extLst>
   </p:cSld>
@@ -547,7 +547,7 @@
           <p:cNvPr id="2" name="竖排标题 1">
             <a:extLst>
               <a:ext uri="{FF2B5EF4-FFF2-40B4-BE49-F238E27FC236}">
-                <a16:creationId xmlns:a16="http://schemas.microsoft.com/office/drawing/2014/main" id="{D9A63683-7F74-CF4B-ECAE-35324E4F7397}"/>
+                <a16:creationId xmlns:a16="http://schemas.microsoft.com/office/drawing/2014/main" id="{08838704-903A-9A63-1801-FD48B576EF30}"/>
               </a:ext>
             </a:extLst>
           </p:cNvPr>
@@ -580,7 +580,7 @@
           <p:cNvPr id="3" name="竖排文字占位符 2">
             <a:extLst>
               <a:ext uri="{FF2B5EF4-FFF2-40B4-BE49-F238E27FC236}">
-                <a16:creationId xmlns:a16="http://schemas.microsoft.com/office/drawing/2014/main" id="{D07CF52D-1310-9B58-32DB-D35FF0205F38}"/>
+                <a16:creationId xmlns:a16="http://schemas.microsoft.com/office/drawing/2014/main" id="{AF8EA4DF-2D19-53E5-1670-2BB0EF73AE58}"/>
               </a:ext>
             </a:extLst>
           </p:cNvPr>
@@ -642,7 +642,7 @@
           <p:cNvPr id="4" name="日期占位符 3">
             <a:extLst>
               <a:ext uri="{FF2B5EF4-FFF2-40B4-BE49-F238E27FC236}">
-                <a16:creationId xmlns:a16="http://schemas.microsoft.com/office/drawing/2014/main" id="{21609C57-A488-CB8F-7993-CA54D3FD40AE}"/>
+                <a16:creationId xmlns:a16="http://schemas.microsoft.com/office/drawing/2014/main" id="{2E5E384A-4783-784E-0EEF-ED526B694AFC}"/>
               </a:ext>
             </a:extLst>
           </p:cNvPr>
@@ -658,7 +658,7 @@
           <a:bodyPr/>
           <a:lstStyle/>
           <a:p>
-            <a:fld id="{A470C656-1C77-432E-AF59-68EC4B321D68}" type="datetimeFigureOut">
+            <a:fld id="{CFCB8A49-0F63-4A53-BE5F-3D13ABA129DC}" type="datetimeFigureOut">
               <a:rPr lang="zh-CN" altLang="en-US" smtClean="0"/>
               <a:t>2024/3/10</a:t>
             </a:fld>
@@ -671,7 +671,7 @@
           <p:cNvPr id="5" name="页脚占位符 4">
             <a:extLst>
               <a:ext uri="{FF2B5EF4-FFF2-40B4-BE49-F238E27FC236}">
-                <a16:creationId xmlns:a16="http://schemas.microsoft.com/office/drawing/2014/main" id="{1BE8A2DC-567D-E604-2876-D972A78D8EAA}"/>
+                <a16:creationId xmlns:a16="http://schemas.microsoft.com/office/drawing/2014/main" id="{21F2D697-2AA6-2CF7-CA1B-740D037DFE5A}"/>
               </a:ext>
             </a:extLst>
           </p:cNvPr>
@@ -696,7 +696,7 @@
           <p:cNvPr id="6" name="灯片编号占位符 5">
             <a:extLst>
               <a:ext uri="{FF2B5EF4-FFF2-40B4-BE49-F238E27FC236}">
-                <a16:creationId xmlns:a16="http://schemas.microsoft.com/office/drawing/2014/main" id="{4249E7A4-82B6-C2C0-0BAE-C588CE0888AC}"/>
+                <a16:creationId xmlns:a16="http://schemas.microsoft.com/office/drawing/2014/main" id="{C29EF121-F745-65E8-4E5A-623924B08F06}"/>
               </a:ext>
             </a:extLst>
           </p:cNvPr>
@@ -712,7 +712,7 @@
           <a:bodyPr/>
           <a:lstStyle/>
           <a:p>
-            <a:fld id="{4D6A01E5-E857-4805-943C-64D550C8F25B}" type="slidenum">
+            <a:fld id="{63C75AD5-A46C-4E3C-9047-2AA4FDFE8D10}" type="slidenum">
               <a:rPr lang="zh-CN" altLang="en-US" smtClean="0"/>
               <a:t>‹#›</a:t>
             </a:fld>
@@ -723,7 +723,7 @@
     </p:spTree>
     <p:extLst>
       <p:ext uri="{BB962C8B-B14F-4D97-AF65-F5344CB8AC3E}">
-        <p14:creationId xmlns:p14="http://schemas.microsoft.com/office/powerpoint/2010/main" val="3908517408"/>
+        <p14:creationId xmlns:p14="http://schemas.microsoft.com/office/powerpoint/2010/main" val="3529093040"/>
       </p:ext>
     </p:extLst>
   </p:cSld>
@@ -755,7 +755,7 @@
           <p:cNvPr id="2" name="标题 1">
             <a:extLst>
               <a:ext uri="{FF2B5EF4-FFF2-40B4-BE49-F238E27FC236}">
-                <a16:creationId xmlns:a16="http://schemas.microsoft.com/office/drawing/2014/main" id="{2FD82AD0-4282-E55F-9B52-8EF037933589}"/>
+                <a16:creationId xmlns:a16="http://schemas.microsoft.com/office/drawing/2014/main" id="{21383B26-9F4A-4ACE-7AD9-22143958C6CC}"/>
               </a:ext>
             </a:extLst>
           </p:cNvPr>
@@ -783,7 +783,7 @@
           <p:cNvPr id="3" name="内容占位符 2">
             <a:extLst>
               <a:ext uri="{FF2B5EF4-FFF2-40B4-BE49-F238E27FC236}">
-                <a16:creationId xmlns:a16="http://schemas.microsoft.com/office/drawing/2014/main" id="{099FB50C-C10C-5D9A-5AF5-F35B1F2D5B56}"/>
+                <a16:creationId xmlns:a16="http://schemas.microsoft.com/office/drawing/2014/main" id="{CD16DD5B-DE34-73E7-3E81-59FB56144A12}"/>
               </a:ext>
             </a:extLst>
           </p:cNvPr>
@@ -840,7 +840,7 @@
           <p:cNvPr id="4" name="日期占位符 3">
             <a:extLst>
               <a:ext uri="{FF2B5EF4-FFF2-40B4-BE49-F238E27FC236}">
-                <a16:creationId xmlns:a16="http://schemas.microsoft.com/office/drawing/2014/main" id="{0BBCCDB3-183D-9C9A-94DF-254E462780B8}"/>
+                <a16:creationId xmlns:a16="http://schemas.microsoft.com/office/drawing/2014/main" id="{7518804D-A613-DE40-A8EE-3BF78E602920}"/>
               </a:ext>
             </a:extLst>
           </p:cNvPr>
@@ -856,7 +856,7 @@
           <a:bodyPr/>
           <a:lstStyle/>
           <a:p>
-            <a:fld id="{A470C656-1C77-432E-AF59-68EC4B321D68}" type="datetimeFigureOut">
+            <a:fld id="{CFCB8A49-0F63-4A53-BE5F-3D13ABA129DC}" type="datetimeFigureOut">
               <a:rPr lang="zh-CN" altLang="en-US" smtClean="0"/>
               <a:t>2024/3/10</a:t>
             </a:fld>
@@ -869,7 +869,7 @@
           <p:cNvPr id="5" name="页脚占位符 4">
             <a:extLst>
               <a:ext uri="{FF2B5EF4-FFF2-40B4-BE49-F238E27FC236}">
-                <a16:creationId xmlns:a16="http://schemas.microsoft.com/office/drawing/2014/main" id="{7FB66607-5042-2EA6-0E24-B185B440E610}"/>
+                <a16:creationId xmlns:a16="http://schemas.microsoft.com/office/drawing/2014/main" id="{532EA4B1-858C-ADB4-ABA9-48CC1E125668}"/>
               </a:ext>
             </a:extLst>
           </p:cNvPr>
@@ -894,7 +894,7 @@
           <p:cNvPr id="6" name="灯片编号占位符 5">
             <a:extLst>
               <a:ext uri="{FF2B5EF4-FFF2-40B4-BE49-F238E27FC236}">
-                <a16:creationId xmlns:a16="http://schemas.microsoft.com/office/drawing/2014/main" id="{17745FD1-C6AF-4459-CD9C-5916B872149D}"/>
+                <a16:creationId xmlns:a16="http://schemas.microsoft.com/office/drawing/2014/main" id="{B6B80E2E-BDED-2DBD-2CF6-0A5F06CC6C10}"/>
               </a:ext>
             </a:extLst>
           </p:cNvPr>
@@ -910,7 +910,7 @@
           <a:bodyPr/>
           <a:lstStyle/>
           <a:p>
-            <a:fld id="{4D6A01E5-E857-4805-943C-64D550C8F25B}" type="slidenum">
+            <a:fld id="{63C75AD5-A46C-4E3C-9047-2AA4FDFE8D10}" type="slidenum">
               <a:rPr lang="zh-CN" altLang="en-US" smtClean="0"/>
               <a:t>‹#›</a:t>
             </a:fld>
@@ -921,7 +921,7 @@
     </p:spTree>
     <p:extLst>
       <p:ext uri="{BB962C8B-B14F-4D97-AF65-F5344CB8AC3E}">
-        <p14:creationId xmlns:p14="http://schemas.microsoft.com/office/powerpoint/2010/main" val="1582239941"/>
+        <p14:creationId xmlns:p14="http://schemas.microsoft.com/office/powerpoint/2010/main" val="2432240926"/>
       </p:ext>
     </p:extLst>
   </p:cSld>
@@ -953,7 +953,7 @@
           <p:cNvPr id="2" name="标题 1">
             <a:extLst>
               <a:ext uri="{FF2B5EF4-FFF2-40B4-BE49-F238E27FC236}">
-                <a16:creationId xmlns:a16="http://schemas.microsoft.com/office/drawing/2014/main" id="{BEAE2B58-5E4B-4A6E-EC4E-E02761B11CBD}"/>
+                <a16:creationId xmlns:a16="http://schemas.microsoft.com/office/drawing/2014/main" id="{B2373AE4-5CC5-831C-BE1C-D2C158354DE9}"/>
               </a:ext>
             </a:extLst>
           </p:cNvPr>
@@ -990,7 +990,7 @@
           <p:cNvPr id="3" name="文本占位符 2">
             <a:extLst>
               <a:ext uri="{FF2B5EF4-FFF2-40B4-BE49-F238E27FC236}">
-                <a16:creationId xmlns:a16="http://schemas.microsoft.com/office/drawing/2014/main" id="{BA0AE5B1-8C8B-92BE-3D35-6905500AD9F9}"/>
+                <a16:creationId xmlns:a16="http://schemas.microsoft.com/office/drawing/2014/main" id="{DE1F8DA4-9704-A789-F371-19AE903C29C1}"/>
               </a:ext>
             </a:extLst>
           </p:cNvPr>
@@ -1115,7 +1115,7 @@
           <p:cNvPr id="4" name="日期占位符 3">
             <a:extLst>
               <a:ext uri="{FF2B5EF4-FFF2-40B4-BE49-F238E27FC236}">
-                <a16:creationId xmlns:a16="http://schemas.microsoft.com/office/drawing/2014/main" id="{E341A069-BD25-3C0A-0AD8-ABA62B799E54}"/>
+                <a16:creationId xmlns:a16="http://schemas.microsoft.com/office/drawing/2014/main" id="{6DC07124-1148-0805-1E1E-54E6488BBBAD}"/>
               </a:ext>
             </a:extLst>
           </p:cNvPr>
@@ -1131,7 +1131,7 @@
           <a:bodyPr/>
           <a:lstStyle/>
           <a:p>
-            <a:fld id="{A470C656-1C77-432E-AF59-68EC4B321D68}" type="datetimeFigureOut">
+            <a:fld id="{CFCB8A49-0F63-4A53-BE5F-3D13ABA129DC}" type="datetimeFigureOut">
               <a:rPr lang="zh-CN" altLang="en-US" smtClean="0"/>
               <a:t>2024/3/10</a:t>
             </a:fld>
@@ -1144,7 +1144,7 @@
           <p:cNvPr id="5" name="页脚占位符 4">
             <a:extLst>
               <a:ext uri="{FF2B5EF4-FFF2-40B4-BE49-F238E27FC236}">
-                <a16:creationId xmlns:a16="http://schemas.microsoft.com/office/drawing/2014/main" id="{3201640C-42FD-E272-7744-70F65F0C10BF}"/>
+                <a16:creationId xmlns:a16="http://schemas.microsoft.com/office/drawing/2014/main" id="{5132D924-59C6-A94A-8ABA-0E25A8E69C05}"/>
               </a:ext>
             </a:extLst>
           </p:cNvPr>
@@ -1169,7 +1169,7 @@
           <p:cNvPr id="6" name="灯片编号占位符 5">
             <a:extLst>
               <a:ext uri="{FF2B5EF4-FFF2-40B4-BE49-F238E27FC236}">
-                <a16:creationId xmlns:a16="http://schemas.microsoft.com/office/drawing/2014/main" id="{6F5EA25B-4C11-517C-71FB-BC6B24826F69}"/>
+                <a16:creationId xmlns:a16="http://schemas.microsoft.com/office/drawing/2014/main" id="{4EBD3F8B-C0B1-2384-EDDC-D669B548C3C7}"/>
               </a:ext>
             </a:extLst>
           </p:cNvPr>
@@ -1185,7 +1185,7 @@
           <a:bodyPr/>
           <a:lstStyle/>
           <a:p>
-            <a:fld id="{4D6A01E5-E857-4805-943C-64D550C8F25B}" type="slidenum">
+            <a:fld id="{63C75AD5-A46C-4E3C-9047-2AA4FDFE8D10}" type="slidenum">
               <a:rPr lang="zh-CN" altLang="en-US" smtClean="0"/>
               <a:t>‹#›</a:t>
             </a:fld>
@@ -1196,7 +1196,7 @@
     </p:spTree>
     <p:extLst>
       <p:ext uri="{BB962C8B-B14F-4D97-AF65-F5344CB8AC3E}">
-        <p14:creationId xmlns:p14="http://schemas.microsoft.com/office/powerpoint/2010/main" val="1971440830"/>
+        <p14:creationId xmlns:p14="http://schemas.microsoft.com/office/powerpoint/2010/main" val="2769491882"/>
       </p:ext>
     </p:extLst>
   </p:cSld>
@@ -1228,7 +1228,7 @@
           <p:cNvPr id="2" name="标题 1">
             <a:extLst>
               <a:ext uri="{FF2B5EF4-FFF2-40B4-BE49-F238E27FC236}">
-                <a16:creationId xmlns:a16="http://schemas.microsoft.com/office/drawing/2014/main" id="{4D62AAFE-CB17-2698-B175-6070D0A7598D}"/>
+                <a16:creationId xmlns:a16="http://schemas.microsoft.com/office/drawing/2014/main" id="{A5BC8146-F827-D736-FC72-8640345B011C}"/>
               </a:ext>
             </a:extLst>
           </p:cNvPr>
@@ -1256,7 +1256,7 @@
           <p:cNvPr id="3" name="内容占位符 2">
             <a:extLst>
               <a:ext uri="{FF2B5EF4-FFF2-40B4-BE49-F238E27FC236}">
-                <a16:creationId xmlns:a16="http://schemas.microsoft.com/office/drawing/2014/main" id="{2E45B07C-BC4C-3727-760E-0505CE7309E6}"/>
+                <a16:creationId xmlns:a16="http://schemas.microsoft.com/office/drawing/2014/main" id="{687DC812-02B1-C963-7BD1-EF60DCF101C6}"/>
               </a:ext>
             </a:extLst>
           </p:cNvPr>
@@ -1318,7 +1318,7 @@
           <p:cNvPr id="4" name="内容占位符 3">
             <a:extLst>
               <a:ext uri="{FF2B5EF4-FFF2-40B4-BE49-F238E27FC236}">
-                <a16:creationId xmlns:a16="http://schemas.microsoft.com/office/drawing/2014/main" id="{A65F8B27-2C1D-B607-C586-EAADF1C089A8}"/>
+                <a16:creationId xmlns:a16="http://schemas.microsoft.com/office/drawing/2014/main" id="{FE60DED7-DD16-A584-110B-513C8595C08F}"/>
               </a:ext>
             </a:extLst>
           </p:cNvPr>
@@ -1380,7 +1380,7 @@
           <p:cNvPr id="5" name="日期占位符 4">
             <a:extLst>
               <a:ext uri="{FF2B5EF4-FFF2-40B4-BE49-F238E27FC236}">
-                <a16:creationId xmlns:a16="http://schemas.microsoft.com/office/drawing/2014/main" id="{A3C9BC9A-CEDF-38C2-3F34-4EF90B24A3C6}"/>
+                <a16:creationId xmlns:a16="http://schemas.microsoft.com/office/drawing/2014/main" id="{DBD999D5-6789-15F5-40BD-A595A361079E}"/>
               </a:ext>
             </a:extLst>
           </p:cNvPr>
@@ -1396,7 +1396,7 @@
           <a:bodyPr/>
           <a:lstStyle/>
           <a:p>
-            <a:fld id="{A470C656-1C77-432E-AF59-68EC4B321D68}" type="datetimeFigureOut">
+            <a:fld id="{CFCB8A49-0F63-4A53-BE5F-3D13ABA129DC}" type="datetimeFigureOut">
               <a:rPr lang="zh-CN" altLang="en-US" smtClean="0"/>
               <a:t>2024/3/10</a:t>
             </a:fld>
@@ -1409,7 +1409,7 @@
           <p:cNvPr id="6" name="页脚占位符 5">
             <a:extLst>
               <a:ext uri="{FF2B5EF4-FFF2-40B4-BE49-F238E27FC236}">
-                <a16:creationId xmlns:a16="http://schemas.microsoft.com/office/drawing/2014/main" id="{0AEB3300-4A39-F81A-7958-83D6E2FFC057}"/>
+                <a16:creationId xmlns:a16="http://schemas.microsoft.com/office/drawing/2014/main" id="{DF1D8D8C-87D6-92E7-8B6D-BC0929348B0A}"/>
               </a:ext>
             </a:extLst>
           </p:cNvPr>
@@ -1434,7 +1434,7 @@
           <p:cNvPr id="7" name="灯片编号占位符 6">
             <a:extLst>
               <a:ext uri="{FF2B5EF4-FFF2-40B4-BE49-F238E27FC236}">
-                <a16:creationId xmlns:a16="http://schemas.microsoft.com/office/drawing/2014/main" id="{DA7E850D-AC3C-F4C4-EFF8-564841C1D628}"/>
+                <a16:creationId xmlns:a16="http://schemas.microsoft.com/office/drawing/2014/main" id="{9399F8C4-65F9-5ADB-3DD1-FD7BA34AABD9}"/>
               </a:ext>
             </a:extLst>
           </p:cNvPr>
@@ -1450,7 +1450,7 @@
           <a:bodyPr/>
           <a:lstStyle/>
           <a:p>
-            <a:fld id="{4D6A01E5-E857-4805-943C-64D550C8F25B}" type="slidenum">
+            <a:fld id="{63C75AD5-A46C-4E3C-9047-2AA4FDFE8D10}" type="slidenum">
               <a:rPr lang="zh-CN" altLang="en-US" smtClean="0"/>
               <a:t>‹#›</a:t>
             </a:fld>
@@ -1461,7 +1461,7 @@
     </p:spTree>
     <p:extLst>
       <p:ext uri="{BB962C8B-B14F-4D97-AF65-F5344CB8AC3E}">
-        <p14:creationId xmlns:p14="http://schemas.microsoft.com/office/powerpoint/2010/main" val="1562130621"/>
+        <p14:creationId xmlns:p14="http://schemas.microsoft.com/office/powerpoint/2010/main" val="1169197987"/>
       </p:ext>
     </p:extLst>
   </p:cSld>
@@ -1493,7 +1493,7 @@
           <p:cNvPr id="2" name="标题 1">
             <a:extLst>
               <a:ext uri="{FF2B5EF4-FFF2-40B4-BE49-F238E27FC236}">
-                <a16:creationId xmlns:a16="http://schemas.microsoft.com/office/drawing/2014/main" id="{40FBED31-6BD3-0F06-AFAE-478B7524B193}"/>
+                <a16:creationId xmlns:a16="http://schemas.microsoft.com/office/drawing/2014/main" id="{7A4891C5-0804-B0E7-F158-41376EAB8347}"/>
               </a:ext>
             </a:extLst>
           </p:cNvPr>
@@ -1526,7 +1526,7 @@
           <p:cNvPr id="3" name="文本占位符 2">
             <a:extLst>
               <a:ext uri="{FF2B5EF4-FFF2-40B4-BE49-F238E27FC236}">
-                <a16:creationId xmlns:a16="http://schemas.microsoft.com/office/drawing/2014/main" id="{B9673763-85A5-E2B2-F388-7E77EF236526}"/>
+                <a16:creationId xmlns:a16="http://schemas.microsoft.com/office/drawing/2014/main" id="{D0A66B97-6BF0-1C71-F288-D30A410B025A}"/>
               </a:ext>
             </a:extLst>
           </p:cNvPr>
@@ -1597,7 +1597,7 @@
           <p:cNvPr id="4" name="内容占位符 3">
             <a:extLst>
               <a:ext uri="{FF2B5EF4-FFF2-40B4-BE49-F238E27FC236}">
-                <a16:creationId xmlns:a16="http://schemas.microsoft.com/office/drawing/2014/main" id="{C9A92F67-7888-4332-6582-4517396E61E4}"/>
+                <a16:creationId xmlns:a16="http://schemas.microsoft.com/office/drawing/2014/main" id="{ADD6184C-FAF2-9A5F-69B1-9229D2AB5B65}"/>
               </a:ext>
             </a:extLst>
           </p:cNvPr>
@@ -1659,7 +1659,7 @@
           <p:cNvPr id="5" name="文本占位符 4">
             <a:extLst>
               <a:ext uri="{FF2B5EF4-FFF2-40B4-BE49-F238E27FC236}">
-                <a16:creationId xmlns:a16="http://schemas.microsoft.com/office/drawing/2014/main" id="{581F4257-715D-D652-5C37-72542BBC3711}"/>
+                <a16:creationId xmlns:a16="http://schemas.microsoft.com/office/drawing/2014/main" id="{7E0FE023-1EA7-3EF9-D53A-0171285452FE}"/>
               </a:ext>
             </a:extLst>
           </p:cNvPr>
@@ -1730,7 +1730,7 @@
           <p:cNvPr id="6" name="内容占位符 5">
             <a:extLst>
               <a:ext uri="{FF2B5EF4-FFF2-40B4-BE49-F238E27FC236}">
-                <a16:creationId xmlns:a16="http://schemas.microsoft.com/office/drawing/2014/main" id="{26711618-D2F4-ACB8-CBC2-1B0ED00CC161}"/>
+                <a16:creationId xmlns:a16="http://schemas.microsoft.com/office/drawing/2014/main" id="{39EEF07B-D20F-3C6E-31FD-53E97066AFE3}"/>
               </a:ext>
             </a:extLst>
           </p:cNvPr>
@@ -1792,7 +1792,7 @@
           <p:cNvPr id="7" name="日期占位符 6">
             <a:extLst>
               <a:ext uri="{FF2B5EF4-FFF2-40B4-BE49-F238E27FC236}">
-                <a16:creationId xmlns:a16="http://schemas.microsoft.com/office/drawing/2014/main" id="{E0401DB5-A5CF-D8D6-D63B-2FA199CB9278}"/>
+                <a16:creationId xmlns:a16="http://schemas.microsoft.com/office/drawing/2014/main" id="{9A79B3F5-5019-BD02-A5FC-BF069DDCE3F9}"/>
               </a:ext>
             </a:extLst>
           </p:cNvPr>
@@ -1808,7 +1808,7 @@
           <a:bodyPr/>
           <a:lstStyle/>
           <a:p>
-            <a:fld id="{A470C656-1C77-432E-AF59-68EC4B321D68}" type="datetimeFigureOut">
+            <a:fld id="{CFCB8A49-0F63-4A53-BE5F-3D13ABA129DC}" type="datetimeFigureOut">
               <a:rPr lang="zh-CN" altLang="en-US" smtClean="0"/>
               <a:t>2024/3/10</a:t>
             </a:fld>
@@ -1821,7 +1821,7 @@
           <p:cNvPr id="8" name="页脚占位符 7">
             <a:extLst>
               <a:ext uri="{FF2B5EF4-FFF2-40B4-BE49-F238E27FC236}">
-                <a16:creationId xmlns:a16="http://schemas.microsoft.com/office/drawing/2014/main" id="{DC2C63A5-F74C-D3C1-8AD4-85CB4DE9BE56}"/>
+                <a16:creationId xmlns:a16="http://schemas.microsoft.com/office/drawing/2014/main" id="{2F403B98-0524-9F89-5A8A-DEE7E4FD7CE3}"/>
               </a:ext>
             </a:extLst>
           </p:cNvPr>
@@ -1846,7 +1846,7 @@
           <p:cNvPr id="9" name="灯片编号占位符 8">
             <a:extLst>
               <a:ext uri="{FF2B5EF4-FFF2-40B4-BE49-F238E27FC236}">
-                <a16:creationId xmlns:a16="http://schemas.microsoft.com/office/drawing/2014/main" id="{F03472B9-1AB1-8FA5-C78F-5D9CE00B282D}"/>
+                <a16:creationId xmlns:a16="http://schemas.microsoft.com/office/drawing/2014/main" id="{A6A144D9-64F1-A8E2-3F6D-F606053C5798}"/>
               </a:ext>
             </a:extLst>
           </p:cNvPr>
@@ -1862,7 +1862,7 @@
           <a:bodyPr/>
           <a:lstStyle/>
           <a:p>
-            <a:fld id="{4D6A01E5-E857-4805-943C-64D550C8F25B}" type="slidenum">
+            <a:fld id="{63C75AD5-A46C-4E3C-9047-2AA4FDFE8D10}" type="slidenum">
               <a:rPr lang="zh-CN" altLang="en-US" smtClean="0"/>
               <a:t>‹#›</a:t>
             </a:fld>
@@ -1873,7 +1873,7 @@
     </p:spTree>
     <p:extLst>
       <p:ext uri="{BB962C8B-B14F-4D97-AF65-F5344CB8AC3E}">
-        <p14:creationId xmlns:p14="http://schemas.microsoft.com/office/powerpoint/2010/main" val="3569982191"/>
+        <p14:creationId xmlns:p14="http://schemas.microsoft.com/office/powerpoint/2010/main" val="238625684"/>
       </p:ext>
     </p:extLst>
   </p:cSld>
@@ -1905,7 +1905,7 @@
           <p:cNvPr id="2" name="标题 1">
             <a:extLst>
               <a:ext uri="{FF2B5EF4-FFF2-40B4-BE49-F238E27FC236}">
-                <a16:creationId xmlns:a16="http://schemas.microsoft.com/office/drawing/2014/main" id="{707FF541-855E-04CD-B36B-0859EA2BEB31}"/>
+                <a16:creationId xmlns:a16="http://schemas.microsoft.com/office/drawing/2014/main" id="{EC190943-1D01-773F-142D-AFA58BDCEF27}"/>
               </a:ext>
             </a:extLst>
           </p:cNvPr>
@@ -1933,7 +1933,7 @@
           <p:cNvPr id="3" name="日期占位符 2">
             <a:extLst>
               <a:ext uri="{FF2B5EF4-FFF2-40B4-BE49-F238E27FC236}">
-                <a16:creationId xmlns:a16="http://schemas.microsoft.com/office/drawing/2014/main" id="{590897B6-9D6E-9223-FA8E-D5E9F150EC65}"/>
+                <a16:creationId xmlns:a16="http://schemas.microsoft.com/office/drawing/2014/main" id="{E8740C1F-6976-127D-83C6-750AE85BDA2A}"/>
               </a:ext>
             </a:extLst>
           </p:cNvPr>
@@ -1949,7 +1949,7 @@
           <a:bodyPr/>
           <a:lstStyle/>
           <a:p>
-            <a:fld id="{A470C656-1C77-432E-AF59-68EC4B321D68}" type="datetimeFigureOut">
+            <a:fld id="{CFCB8A49-0F63-4A53-BE5F-3D13ABA129DC}" type="datetimeFigureOut">
               <a:rPr lang="zh-CN" altLang="en-US" smtClean="0"/>
               <a:t>2024/3/10</a:t>
             </a:fld>
@@ -1962,7 +1962,7 @@
           <p:cNvPr id="4" name="页脚占位符 3">
             <a:extLst>
               <a:ext uri="{FF2B5EF4-FFF2-40B4-BE49-F238E27FC236}">
-                <a16:creationId xmlns:a16="http://schemas.microsoft.com/office/drawing/2014/main" id="{24BC85EF-3E60-ED97-95D9-D3DEC3CBE84F}"/>
+                <a16:creationId xmlns:a16="http://schemas.microsoft.com/office/drawing/2014/main" id="{5A6064A3-AF16-7965-D72F-B014DCD258DC}"/>
               </a:ext>
             </a:extLst>
           </p:cNvPr>
@@ -1987,7 +1987,7 @@
           <p:cNvPr id="5" name="灯片编号占位符 4">
             <a:extLst>
               <a:ext uri="{FF2B5EF4-FFF2-40B4-BE49-F238E27FC236}">
-                <a16:creationId xmlns:a16="http://schemas.microsoft.com/office/drawing/2014/main" id="{0DB7A086-85DF-0317-C9EF-05653ED89D2C}"/>
+                <a16:creationId xmlns:a16="http://schemas.microsoft.com/office/drawing/2014/main" id="{315AB89D-C047-1581-DE55-58C7512F01F1}"/>
               </a:ext>
             </a:extLst>
           </p:cNvPr>
@@ -2003,7 +2003,7 @@
           <a:bodyPr/>
           <a:lstStyle/>
           <a:p>
-            <a:fld id="{4D6A01E5-E857-4805-943C-64D550C8F25B}" type="slidenum">
+            <a:fld id="{63C75AD5-A46C-4E3C-9047-2AA4FDFE8D10}" type="slidenum">
               <a:rPr lang="zh-CN" altLang="en-US" smtClean="0"/>
               <a:t>‹#›</a:t>
             </a:fld>
@@ -2014,7 +2014,7 @@
     </p:spTree>
     <p:extLst>
       <p:ext uri="{BB962C8B-B14F-4D97-AF65-F5344CB8AC3E}">
-        <p14:creationId xmlns:p14="http://schemas.microsoft.com/office/powerpoint/2010/main" val="2494494959"/>
+        <p14:creationId xmlns:p14="http://schemas.microsoft.com/office/powerpoint/2010/main" val="3493657928"/>
       </p:ext>
     </p:extLst>
   </p:cSld>
@@ -2046,7 +2046,7 @@
           <p:cNvPr id="2" name="日期占位符 1">
             <a:extLst>
               <a:ext uri="{FF2B5EF4-FFF2-40B4-BE49-F238E27FC236}">
-                <a16:creationId xmlns:a16="http://schemas.microsoft.com/office/drawing/2014/main" id="{F4C11042-8AD6-C20B-CD83-E7F5B9D1F666}"/>
+                <a16:creationId xmlns:a16="http://schemas.microsoft.com/office/drawing/2014/main" id="{E06525F9-EE6C-F98F-79DA-1E053A769B1E}"/>
               </a:ext>
             </a:extLst>
           </p:cNvPr>
@@ -2062,7 +2062,7 @@
           <a:bodyPr/>
           <a:lstStyle/>
           <a:p>
-            <a:fld id="{A470C656-1C77-432E-AF59-68EC4B321D68}" type="datetimeFigureOut">
+            <a:fld id="{CFCB8A49-0F63-4A53-BE5F-3D13ABA129DC}" type="datetimeFigureOut">
               <a:rPr lang="zh-CN" altLang="en-US" smtClean="0"/>
               <a:t>2024/3/10</a:t>
             </a:fld>
@@ -2075,7 +2075,7 @@
           <p:cNvPr id="3" name="页脚占位符 2">
             <a:extLst>
               <a:ext uri="{FF2B5EF4-FFF2-40B4-BE49-F238E27FC236}">
-                <a16:creationId xmlns:a16="http://schemas.microsoft.com/office/drawing/2014/main" id="{3077A723-0CC2-8B9E-F18F-008C00205DFC}"/>
+                <a16:creationId xmlns:a16="http://schemas.microsoft.com/office/drawing/2014/main" id="{4AE5DC87-BAD6-0239-CFE7-A2C268E26ACB}"/>
               </a:ext>
             </a:extLst>
           </p:cNvPr>
@@ -2100,7 +2100,7 @@
           <p:cNvPr id="4" name="灯片编号占位符 3">
             <a:extLst>
               <a:ext uri="{FF2B5EF4-FFF2-40B4-BE49-F238E27FC236}">
-                <a16:creationId xmlns:a16="http://schemas.microsoft.com/office/drawing/2014/main" id="{A0052F63-1D2A-369C-AD00-4197407E2E24}"/>
+                <a16:creationId xmlns:a16="http://schemas.microsoft.com/office/drawing/2014/main" id="{2EB64FB5-DCA2-1C11-A210-D0BC7127A7A2}"/>
               </a:ext>
             </a:extLst>
           </p:cNvPr>
@@ -2116,7 +2116,7 @@
           <a:bodyPr/>
           <a:lstStyle/>
           <a:p>
-            <a:fld id="{4D6A01E5-E857-4805-943C-64D550C8F25B}" type="slidenum">
+            <a:fld id="{63C75AD5-A46C-4E3C-9047-2AA4FDFE8D10}" type="slidenum">
               <a:rPr lang="zh-CN" altLang="en-US" smtClean="0"/>
               <a:t>‹#›</a:t>
             </a:fld>
@@ -2127,7 +2127,7 @@
     </p:spTree>
     <p:extLst>
       <p:ext uri="{BB962C8B-B14F-4D97-AF65-F5344CB8AC3E}">
-        <p14:creationId xmlns:p14="http://schemas.microsoft.com/office/powerpoint/2010/main" val="1281148436"/>
+        <p14:creationId xmlns:p14="http://schemas.microsoft.com/office/powerpoint/2010/main" val="198834440"/>
       </p:ext>
     </p:extLst>
   </p:cSld>
@@ -2159,7 +2159,7 @@
           <p:cNvPr id="2" name="标题 1">
             <a:extLst>
               <a:ext uri="{FF2B5EF4-FFF2-40B4-BE49-F238E27FC236}">
-                <a16:creationId xmlns:a16="http://schemas.microsoft.com/office/drawing/2014/main" id="{8D6C9B38-2478-0EB6-2E1A-4B005BD9557A}"/>
+                <a16:creationId xmlns:a16="http://schemas.microsoft.com/office/drawing/2014/main" id="{2A051189-8273-B68F-585E-427DE1657F6D}"/>
               </a:ext>
             </a:extLst>
           </p:cNvPr>
@@ -2196,7 +2196,7 @@
           <p:cNvPr id="3" name="内容占位符 2">
             <a:extLst>
               <a:ext uri="{FF2B5EF4-FFF2-40B4-BE49-F238E27FC236}">
-                <a16:creationId xmlns:a16="http://schemas.microsoft.com/office/drawing/2014/main" id="{11A00838-C3AF-4EDA-BCE0-CCBF20BF23C7}"/>
+                <a16:creationId xmlns:a16="http://schemas.microsoft.com/office/drawing/2014/main" id="{7F218CDD-514E-8280-4394-DE1AFEDE0F0B}"/>
               </a:ext>
             </a:extLst>
           </p:cNvPr>
@@ -2286,7 +2286,7 @@
           <p:cNvPr id="4" name="文本占位符 3">
             <a:extLst>
               <a:ext uri="{FF2B5EF4-FFF2-40B4-BE49-F238E27FC236}">
-                <a16:creationId xmlns:a16="http://schemas.microsoft.com/office/drawing/2014/main" id="{2277AA7D-D263-48BF-0AEA-514E59F32F81}"/>
+                <a16:creationId xmlns:a16="http://schemas.microsoft.com/office/drawing/2014/main" id="{9C1A11EA-8283-05FE-21DF-2F13CA8829D0}"/>
               </a:ext>
             </a:extLst>
           </p:cNvPr>
@@ -2357,7 +2357,7 @@
           <p:cNvPr id="5" name="日期占位符 4">
             <a:extLst>
               <a:ext uri="{FF2B5EF4-FFF2-40B4-BE49-F238E27FC236}">
-                <a16:creationId xmlns:a16="http://schemas.microsoft.com/office/drawing/2014/main" id="{BF27416A-B586-F60D-D990-A78BC6498EEC}"/>
+                <a16:creationId xmlns:a16="http://schemas.microsoft.com/office/drawing/2014/main" id="{62A6FAF1-3940-4040-7E33-90A005B61D23}"/>
               </a:ext>
             </a:extLst>
           </p:cNvPr>
@@ -2373,7 +2373,7 @@
           <a:bodyPr/>
           <a:lstStyle/>
           <a:p>
-            <a:fld id="{A470C656-1C77-432E-AF59-68EC4B321D68}" type="datetimeFigureOut">
+            <a:fld id="{CFCB8A49-0F63-4A53-BE5F-3D13ABA129DC}" type="datetimeFigureOut">
               <a:rPr lang="zh-CN" altLang="en-US" smtClean="0"/>
               <a:t>2024/3/10</a:t>
             </a:fld>
@@ -2386,7 +2386,7 @@
           <p:cNvPr id="6" name="页脚占位符 5">
             <a:extLst>
               <a:ext uri="{FF2B5EF4-FFF2-40B4-BE49-F238E27FC236}">
-                <a16:creationId xmlns:a16="http://schemas.microsoft.com/office/drawing/2014/main" id="{884B6EDA-1D22-C17C-F741-871C2B2432FB}"/>
+                <a16:creationId xmlns:a16="http://schemas.microsoft.com/office/drawing/2014/main" id="{8DB5BB86-7FCD-6B69-D417-8EBED26C8DF9}"/>
               </a:ext>
             </a:extLst>
           </p:cNvPr>
@@ -2411,7 +2411,7 @@
           <p:cNvPr id="7" name="灯片编号占位符 6">
             <a:extLst>
               <a:ext uri="{FF2B5EF4-FFF2-40B4-BE49-F238E27FC236}">
-                <a16:creationId xmlns:a16="http://schemas.microsoft.com/office/drawing/2014/main" id="{766008BE-AE15-E4DC-7B9D-962E025951AC}"/>
+                <a16:creationId xmlns:a16="http://schemas.microsoft.com/office/drawing/2014/main" id="{F26BF53D-C21B-62E2-0591-0E51252AD4DC}"/>
               </a:ext>
             </a:extLst>
           </p:cNvPr>
@@ -2427,7 +2427,7 @@
           <a:bodyPr/>
           <a:lstStyle/>
           <a:p>
-            <a:fld id="{4D6A01E5-E857-4805-943C-64D550C8F25B}" type="slidenum">
+            <a:fld id="{63C75AD5-A46C-4E3C-9047-2AA4FDFE8D10}" type="slidenum">
               <a:rPr lang="zh-CN" altLang="en-US" smtClean="0"/>
               <a:t>‹#›</a:t>
             </a:fld>
@@ -2438,7 +2438,7 @@
     </p:spTree>
     <p:extLst>
       <p:ext uri="{BB962C8B-B14F-4D97-AF65-F5344CB8AC3E}">
-        <p14:creationId xmlns:p14="http://schemas.microsoft.com/office/powerpoint/2010/main" val="2662023156"/>
+        <p14:creationId xmlns:p14="http://schemas.microsoft.com/office/powerpoint/2010/main" val="2560727451"/>
       </p:ext>
     </p:extLst>
   </p:cSld>
@@ -2470,7 +2470,7 @@
           <p:cNvPr id="2" name="标题 1">
             <a:extLst>
               <a:ext uri="{FF2B5EF4-FFF2-40B4-BE49-F238E27FC236}">
-                <a16:creationId xmlns:a16="http://schemas.microsoft.com/office/drawing/2014/main" id="{BE42CAC9-8C91-B8F7-BEB4-513205694A7B}"/>
+                <a16:creationId xmlns:a16="http://schemas.microsoft.com/office/drawing/2014/main" id="{E491E142-1335-F043-30A1-6426C3D84318}"/>
               </a:ext>
             </a:extLst>
           </p:cNvPr>
@@ -2507,7 +2507,7 @@
           <p:cNvPr id="3" name="图片占位符 2">
             <a:extLst>
               <a:ext uri="{FF2B5EF4-FFF2-40B4-BE49-F238E27FC236}">
-                <a16:creationId xmlns:a16="http://schemas.microsoft.com/office/drawing/2014/main" id="{AC4A3376-FD5B-E23F-3BB8-D2819040B944}"/>
+                <a16:creationId xmlns:a16="http://schemas.microsoft.com/office/drawing/2014/main" id="{DBD8FD14-3FAD-4591-3C36-637710F72128}"/>
               </a:ext>
             </a:extLst>
           </p:cNvPr>
@@ -2574,7 +2574,7 @@
           <p:cNvPr id="4" name="文本占位符 3">
             <a:extLst>
               <a:ext uri="{FF2B5EF4-FFF2-40B4-BE49-F238E27FC236}">
-                <a16:creationId xmlns:a16="http://schemas.microsoft.com/office/drawing/2014/main" id="{D0194CA6-C005-7F04-3065-A7A212BE76F2}"/>
+                <a16:creationId xmlns:a16="http://schemas.microsoft.com/office/drawing/2014/main" id="{2F69E5FF-532A-D714-CA4F-A0336E9780D9}"/>
               </a:ext>
             </a:extLst>
           </p:cNvPr>
@@ -2645,7 +2645,7 @@
           <p:cNvPr id="5" name="日期占位符 4">
             <a:extLst>
               <a:ext uri="{FF2B5EF4-FFF2-40B4-BE49-F238E27FC236}">
-                <a16:creationId xmlns:a16="http://schemas.microsoft.com/office/drawing/2014/main" id="{56C4066F-73AF-D7EA-485C-DABB30FE15A7}"/>
+                <a16:creationId xmlns:a16="http://schemas.microsoft.com/office/drawing/2014/main" id="{46709C8D-A661-AE38-D22B-F6D652A508FE}"/>
               </a:ext>
             </a:extLst>
           </p:cNvPr>
@@ -2661,7 +2661,7 @@
           <a:bodyPr/>
           <a:lstStyle/>
           <a:p>
-            <a:fld id="{A470C656-1C77-432E-AF59-68EC4B321D68}" type="datetimeFigureOut">
+            <a:fld id="{CFCB8A49-0F63-4A53-BE5F-3D13ABA129DC}" type="datetimeFigureOut">
               <a:rPr lang="zh-CN" altLang="en-US" smtClean="0"/>
               <a:t>2024/3/10</a:t>
             </a:fld>
@@ -2674,7 +2674,7 @@
           <p:cNvPr id="6" name="页脚占位符 5">
             <a:extLst>
               <a:ext uri="{FF2B5EF4-FFF2-40B4-BE49-F238E27FC236}">
-                <a16:creationId xmlns:a16="http://schemas.microsoft.com/office/drawing/2014/main" id="{41E8A434-68F1-3CA7-B31C-0F721952F603}"/>
+                <a16:creationId xmlns:a16="http://schemas.microsoft.com/office/drawing/2014/main" id="{2606D9D1-240D-5406-857C-C8E1D01D03B4}"/>
               </a:ext>
             </a:extLst>
           </p:cNvPr>
@@ -2699,7 +2699,7 @@
           <p:cNvPr id="7" name="灯片编号占位符 6">
             <a:extLst>
               <a:ext uri="{FF2B5EF4-FFF2-40B4-BE49-F238E27FC236}">
-                <a16:creationId xmlns:a16="http://schemas.microsoft.com/office/drawing/2014/main" id="{D56BA933-7BE6-76E3-AE10-D51853ED8BCC}"/>
+                <a16:creationId xmlns:a16="http://schemas.microsoft.com/office/drawing/2014/main" id="{130C652D-2CED-3029-46D4-59CD62781DA0}"/>
               </a:ext>
             </a:extLst>
           </p:cNvPr>
@@ -2715,7 +2715,7 @@
           <a:bodyPr/>
           <a:lstStyle/>
           <a:p>
-            <a:fld id="{4D6A01E5-E857-4805-943C-64D550C8F25B}" type="slidenum">
+            <a:fld id="{63C75AD5-A46C-4E3C-9047-2AA4FDFE8D10}" type="slidenum">
               <a:rPr lang="zh-CN" altLang="en-US" smtClean="0"/>
               <a:t>‹#›</a:t>
             </a:fld>
@@ -2726,7 +2726,7 @@
     </p:spTree>
     <p:extLst>
       <p:ext uri="{BB962C8B-B14F-4D97-AF65-F5344CB8AC3E}">
-        <p14:creationId xmlns:p14="http://schemas.microsoft.com/office/powerpoint/2010/main" val="3130394063"/>
+        <p14:creationId xmlns:p14="http://schemas.microsoft.com/office/powerpoint/2010/main" val="3150483823"/>
       </p:ext>
     </p:extLst>
   </p:cSld>
@@ -2763,7 +2763,7 @@
           <p:cNvPr id="2" name="标题占位符 1">
             <a:extLst>
               <a:ext uri="{FF2B5EF4-FFF2-40B4-BE49-F238E27FC236}">
-                <a16:creationId xmlns:a16="http://schemas.microsoft.com/office/drawing/2014/main" id="{1BD0E9C0-11EB-A25A-E0E6-A4F74A3A7F1C}"/>
+                <a16:creationId xmlns:a16="http://schemas.microsoft.com/office/drawing/2014/main" id="{50D62961-8F83-79F0-F384-AF8659FA2D49}"/>
               </a:ext>
             </a:extLst>
           </p:cNvPr>
@@ -2801,7 +2801,7 @@
           <p:cNvPr id="3" name="文本占位符 2">
             <a:extLst>
               <a:ext uri="{FF2B5EF4-FFF2-40B4-BE49-F238E27FC236}">
-                <a16:creationId xmlns:a16="http://schemas.microsoft.com/office/drawing/2014/main" id="{8291CD34-057C-AE3E-46A9-296E78404623}"/>
+                <a16:creationId xmlns:a16="http://schemas.microsoft.com/office/drawing/2014/main" id="{2EF3C2CB-34AD-A923-5D9B-58B6ABBF31BE}"/>
               </a:ext>
             </a:extLst>
           </p:cNvPr>
@@ -2868,7 +2868,7 @@
           <p:cNvPr id="4" name="日期占位符 3">
             <a:extLst>
               <a:ext uri="{FF2B5EF4-FFF2-40B4-BE49-F238E27FC236}">
-                <a16:creationId xmlns:a16="http://schemas.microsoft.com/office/drawing/2014/main" id="{B564F827-1643-08DC-B673-2001FB015E47}"/>
+                <a16:creationId xmlns:a16="http://schemas.microsoft.com/office/drawing/2014/main" id="{76038FA5-D392-A457-2EDE-0FEA65C76F00}"/>
               </a:ext>
             </a:extLst>
           </p:cNvPr>
@@ -2902,7 +2902,7 @@
             </a:lvl1pPr>
           </a:lstStyle>
           <a:p>
-            <a:fld id="{A470C656-1C77-432E-AF59-68EC4B321D68}" type="datetimeFigureOut">
+            <a:fld id="{CFCB8A49-0F63-4A53-BE5F-3D13ABA129DC}" type="datetimeFigureOut">
               <a:rPr lang="zh-CN" altLang="en-US" smtClean="0"/>
               <a:t>2024/3/10</a:t>
             </a:fld>
@@ -2915,7 +2915,7 @@
           <p:cNvPr id="5" name="页脚占位符 4">
             <a:extLst>
               <a:ext uri="{FF2B5EF4-FFF2-40B4-BE49-F238E27FC236}">
-                <a16:creationId xmlns:a16="http://schemas.microsoft.com/office/drawing/2014/main" id="{8FDABF19-8FF6-1058-477D-6026E2CFA9E5}"/>
+                <a16:creationId xmlns:a16="http://schemas.microsoft.com/office/drawing/2014/main" id="{C78B81B1-302B-063E-FF31-9565227F3B58}"/>
               </a:ext>
             </a:extLst>
           </p:cNvPr>
@@ -2958,7 +2958,7 @@
           <p:cNvPr id="6" name="灯片编号占位符 5">
             <a:extLst>
               <a:ext uri="{FF2B5EF4-FFF2-40B4-BE49-F238E27FC236}">
-                <a16:creationId xmlns:a16="http://schemas.microsoft.com/office/drawing/2014/main" id="{833F2B5A-41FC-E980-F662-62BAF03353BD}"/>
+                <a16:creationId xmlns:a16="http://schemas.microsoft.com/office/drawing/2014/main" id="{4EB41F8E-AC2F-2054-7DCD-441A35B53937}"/>
               </a:ext>
             </a:extLst>
           </p:cNvPr>
@@ -2992,7 +2992,7 @@
             </a:lvl1pPr>
           </a:lstStyle>
           <a:p>
-            <a:fld id="{4D6A01E5-E857-4805-943C-64D550C8F25B}" type="slidenum">
+            <a:fld id="{63C75AD5-A46C-4E3C-9047-2AA4FDFE8D10}" type="slidenum">
               <a:rPr lang="zh-CN" altLang="en-US" smtClean="0"/>
               <a:t>‹#›</a:t>
             </a:fld>
@@ -3003,7 +3003,7 @@
     </p:spTree>
     <p:extLst>
       <p:ext uri="{BB962C8B-B14F-4D97-AF65-F5344CB8AC3E}">
-        <p14:creationId xmlns:p14="http://schemas.microsoft.com/office/powerpoint/2010/main" val="640775856"/>
+        <p14:creationId xmlns:p14="http://schemas.microsoft.com/office/powerpoint/2010/main" val="1958864785"/>
       </p:ext>
     </p:extLst>
   </p:cSld>
